--- a/doc/1.개인폴더/최현우/01. 스토리보드_경기일정.pptx
+++ b/doc/1.개인폴더/최현우/01. 스토리보드_경기일정.pptx
@@ -294,7 +294,7 @@
           <a:p>
             <a:fld id="{4204022D-519A-4CD6-99D3-23FD7668B2FE}" type="datetimeFigureOut">
               <a:rPr lang="ko-KR" altLang="en-US" smtClean="0"/>
-              <a:t>2020-06-30[Tue]</a:t>
+              <a:t>2020-07-01[Wed]</a:t>
             </a:fld>
             <a:endParaRPr lang="ko-KR" altLang="en-US"/>
           </a:p>
@@ -459,7 +459,7 @@
           <a:p>
             <a:fld id="{4204022D-519A-4CD6-99D3-23FD7668B2FE}" type="datetimeFigureOut">
               <a:rPr lang="ko-KR" altLang="en-US" smtClean="0"/>
-              <a:t>2020-06-30[Tue]</a:t>
+              <a:t>2020-07-01[Wed]</a:t>
             </a:fld>
             <a:endParaRPr lang="ko-KR" altLang="en-US"/>
           </a:p>
@@ -634,7 +634,7 @@
           <a:p>
             <a:fld id="{4204022D-519A-4CD6-99D3-23FD7668B2FE}" type="datetimeFigureOut">
               <a:rPr lang="ko-KR" altLang="en-US" smtClean="0"/>
-              <a:t>2020-06-30[Tue]</a:t>
+              <a:t>2020-07-01[Wed]</a:t>
             </a:fld>
             <a:endParaRPr lang="ko-KR" altLang="en-US"/>
           </a:p>
@@ -799,7 +799,7 @@
           <a:p>
             <a:fld id="{4204022D-519A-4CD6-99D3-23FD7668B2FE}" type="datetimeFigureOut">
               <a:rPr lang="ko-KR" altLang="en-US" smtClean="0"/>
-              <a:t>2020-06-30[Tue]</a:t>
+              <a:t>2020-07-01[Wed]</a:t>
             </a:fld>
             <a:endParaRPr lang="ko-KR" altLang="en-US"/>
           </a:p>
@@ -1040,7 +1040,7 @@
           <a:p>
             <a:fld id="{4204022D-519A-4CD6-99D3-23FD7668B2FE}" type="datetimeFigureOut">
               <a:rPr lang="ko-KR" altLang="en-US" smtClean="0"/>
-              <a:t>2020-06-30[Tue]</a:t>
+              <a:t>2020-07-01[Wed]</a:t>
             </a:fld>
             <a:endParaRPr lang="ko-KR" altLang="en-US"/>
           </a:p>
@@ -1323,7 +1323,7 @@
           <a:p>
             <a:fld id="{4204022D-519A-4CD6-99D3-23FD7668B2FE}" type="datetimeFigureOut">
               <a:rPr lang="ko-KR" altLang="en-US" smtClean="0"/>
-              <a:t>2020-06-30[Tue]</a:t>
+              <a:t>2020-07-01[Wed]</a:t>
             </a:fld>
             <a:endParaRPr lang="ko-KR" altLang="en-US"/>
           </a:p>
@@ -1740,7 +1740,7 @@
           <a:p>
             <a:fld id="{4204022D-519A-4CD6-99D3-23FD7668B2FE}" type="datetimeFigureOut">
               <a:rPr lang="ko-KR" altLang="en-US" smtClean="0"/>
-              <a:t>2020-06-30[Tue]</a:t>
+              <a:t>2020-07-01[Wed]</a:t>
             </a:fld>
             <a:endParaRPr lang="ko-KR" altLang="en-US"/>
           </a:p>
@@ -1853,7 +1853,7 @@
           <a:p>
             <a:fld id="{4204022D-519A-4CD6-99D3-23FD7668B2FE}" type="datetimeFigureOut">
               <a:rPr lang="ko-KR" altLang="en-US" smtClean="0"/>
-              <a:t>2020-06-30[Tue]</a:t>
+              <a:t>2020-07-01[Wed]</a:t>
             </a:fld>
             <a:endParaRPr lang="ko-KR" altLang="en-US"/>
           </a:p>
@@ -1943,7 +1943,7 @@
           <a:p>
             <a:fld id="{4204022D-519A-4CD6-99D3-23FD7668B2FE}" type="datetimeFigureOut">
               <a:rPr lang="ko-KR" altLang="en-US" smtClean="0"/>
-              <a:t>2020-06-30[Tue]</a:t>
+              <a:t>2020-07-01[Wed]</a:t>
             </a:fld>
             <a:endParaRPr lang="ko-KR" altLang="en-US"/>
           </a:p>
@@ -2215,7 +2215,7 @@
           <a:p>
             <a:fld id="{4204022D-519A-4CD6-99D3-23FD7668B2FE}" type="datetimeFigureOut">
               <a:rPr lang="ko-KR" altLang="en-US" smtClean="0"/>
-              <a:t>2020-06-30[Tue]</a:t>
+              <a:t>2020-07-01[Wed]</a:t>
             </a:fld>
             <a:endParaRPr lang="ko-KR" altLang="en-US"/>
           </a:p>
@@ -2463,7 +2463,7 @@
           <a:p>
             <a:fld id="{4204022D-519A-4CD6-99D3-23FD7668B2FE}" type="datetimeFigureOut">
               <a:rPr lang="ko-KR" altLang="en-US" smtClean="0"/>
-              <a:t>2020-06-30[Tue]</a:t>
+              <a:t>2020-07-01[Wed]</a:t>
             </a:fld>
             <a:endParaRPr lang="ko-KR" altLang="en-US"/>
           </a:p>
@@ -2671,7 +2671,7 @@
           <a:p>
             <a:fld id="{4204022D-519A-4CD6-99D3-23FD7668B2FE}" type="datetimeFigureOut">
               <a:rPr lang="ko-KR" altLang="en-US" smtClean="0"/>
-              <a:t>2020-06-30[Tue]</a:t>
+              <a:t>2020-07-01[Wed]</a:t>
             </a:fld>
             <a:endParaRPr lang="ko-KR" altLang="en-US"/>
           </a:p>
@@ -5328,6 +5328,47 @@
           <a:chExt cx="0" cy="0"/>
         </a:xfrm>
       </p:grpSpPr>
+      <p:pic>
+        <p:nvPicPr>
+          <p:cNvPr id="1026" name="Picture 2" descr="C:\Users\hong\Desktop\ggs\ggs\doc\1.개인폴더\최현우\99. 참고\경기 예측 수정본.PNG"/>
+          <p:cNvPicPr>
+            <a:picLocks noChangeAspect="1" noChangeArrowheads="1"/>
+          </p:cNvPicPr>
+          <p:nvPr/>
+        </p:nvPicPr>
+        <p:blipFill>
+          <a:blip r:embed="rId2">
+            <a:extLst>
+              <a:ext uri="{28A0092B-C50C-407E-A947-70E740481C1C}">
+                <a14:useLocalDpi xmlns:a14="http://schemas.microsoft.com/office/drawing/2010/main" val="0"/>
+              </a:ext>
+            </a:extLst>
+          </a:blip>
+          <a:srcRect/>
+          <a:stretch>
+            <a:fillRect/>
+          </a:stretch>
+        </p:blipFill>
+        <p:spPr bwMode="auto">
+          <a:xfrm>
+            <a:off x="899592" y="928671"/>
+            <a:ext cx="5489434" cy="5668681"/>
+          </a:xfrm>
+          <a:prstGeom prst="rect">
+            <a:avLst/>
+          </a:prstGeom>
+          <a:noFill/>
+          <a:extLst>
+            <a:ext uri="{909E8E84-426E-40DD-AFC4-6F175D3DCCD1}">
+              <a14:hiddenFill xmlns:a14="http://schemas.microsoft.com/office/drawing/2010/main">
+                <a:solidFill>
+                  <a:srgbClr val="FFFFFF"/>
+                </a:solidFill>
+              </a14:hiddenFill>
+            </a:ext>
+          </a:extLst>
+        </p:spPr>
+      </p:pic>
       <p:graphicFrame>
         <p:nvGraphicFramePr>
           <p:cNvPr id="34" name="표 33"/>
@@ -6647,47 +6688,6 @@
           </a:graphicData>
         </a:graphic>
       </p:graphicFrame>
-      <p:pic>
-        <p:nvPicPr>
-          <p:cNvPr id="5122" name="Picture 2" descr="C:\Users\hong\Desktop\ggs\ggs\doc\1.개인폴더\최현우\99. 참고\05. 승부 예측.PNG"/>
-          <p:cNvPicPr>
-            <a:picLocks noChangeAspect="1" noChangeArrowheads="1"/>
-          </p:cNvPicPr>
-          <p:nvPr/>
-        </p:nvPicPr>
-        <p:blipFill>
-          <a:blip r:embed="rId2">
-            <a:extLst>
-              <a:ext uri="{28A0092B-C50C-407E-A947-70E740481C1C}">
-                <a14:useLocalDpi xmlns:a14="http://schemas.microsoft.com/office/drawing/2010/main" val="0"/>
-              </a:ext>
-            </a:extLst>
-          </a:blip>
-          <a:srcRect/>
-          <a:stretch>
-            <a:fillRect/>
-          </a:stretch>
-        </p:blipFill>
-        <p:spPr bwMode="auto">
-          <a:xfrm>
-            <a:off x="709881" y="950085"/>
-            <a:ext cx="5533891" cy="5668681"/>
-          </a:xfrm>
-          <a:prstGeom prst="rect">
-            <a:avLst/>
-          </a:prstGeom>
-          <a:noFill/>
-          <a:extLst>
-            <a:ext uri="{909E8E84-426E-40DD-AFC4-6F175D3DCCD1}">
-              <a14:hiddenFill xmlns:a14="http://schemas.microsoft.com/office/drawing/2010/main">
-                <a:solidFill>
-                  <a:srgbClr val="FFFFFF"/>
-                </a:solidFill>
-              </a14:hiddenFill>
-            </a:ext>
-          </a:extLst>
-        </p:spPr>
-      </p:pic>
       <p:sp>
         <p:nvSpPr>
           <p:cNvPr id="12" name="타원 11"/>
@@ -6696,7 +6696,7 @@
         </p:nvSpPr>
         <p:spPr>
           <a:xfrm>
-            <a:off x="1187624" y="2358008"/>
+            <a:off x="1357530" y="2276872"/>
             <a:ext cx="339812" cy="453082"/>
           </a:xfrm>
           <a:prstGeom prst="ellipse">
@@ -6740,7 +6740,7 @@
         </p:nvSpPr>
         <p:spPr>
           <a:xfrm>
-            <a:off x="2339752" y="4365104"/>
+            <a:off x="2509658" y="4327599"/>
             <a:ext cx="339812" cy="453082"/>
           </a:xfrm>
           <a:prstGeom prst="ellipse">
@@ -6814,6 +6814,47 @@
           <a:chExt cx="0" cy="0"/>
         </a:xfrm>
       </p:grpSpPr>
+      <p:pic>
+        <p:nvPicPr>
+          <p:cNvPr id="1026" name="Picture 2" descr="C:\Users\hong\Desktop\ggs\ggs\doc\1.개인폴더\최현우\99. 참고\경기 예측 상세.PNG"/>
+          <p:cNvPicPr>
+            <a:picLocks noChangeAspect="1" noChangeArrowheads="1"/>
+          </p:cNvPicPr>
+          <p:nvPr/>
+        </p:nvPicPr>
+        <p:blipFill>
+          <a:blip r:embed="rId2">
+            <a:extLst>
+              <a:ext uri="{28A0092B-C50C-407E-A947-70E740481C1C}">
+                <a14:useLocalDpi xmlns:a14="http://schemas.microsoft.com/office/drawing/2010/main" val="0"/>
+              </a:ext>
+            </a:extLst>
+          </a:blip>
+          <a:srcRect/>
+          <a:stretch>
+            <a:fillRect/>
+          </a:stretch>
+        </p:blipFill>
+        <p:spPr bwMode="auto">
+          <a:xfrm>
+            <a:off x="1070223" y="925992"/>
+            <a:ext cx="4695825" cy="5688012"/>
+          </a:xfrm>
+          <a:prstGeom prst="rect">
+            <a:avLst/>
+          </a:prstGeom>
+          <a:noFill/>
+          <a:extLst>
+            <a:ext uri="{909E8E84-426E-40DD-AFC4-6F175D3DCCD1}">
+              <a14:hiddenFill xmlns:a14="http://schemas.microsoft.com/office/drawing/2010/main">
+                <a:solidFill>
+                  <a:srgbClr val="FFFFFF"/>
+                </a:solidFill>
+              </a14:hiddenFill>
+            </a:ext>
+          </a:extLst>
+        </p:spPr>
+      </p:pic>
       <p:graphicFrame>
         <p:nvGraphicFramePr>
           <p:cNvPr id="34" name="표 33"/>
@@ -7709,7 +7750,6 @@
               <a:rPr lang="en-US" altLang="ko-KR" sz="900" dirty="0" smtClean="0"/>
               <a:t>.</a:t>
             </a:r>
-            <a:endParaRPr lang="en-US" altLang="ko-KR" sz="900" dirty="0" smtClean="0"/>
           </a:p>
           <a:p>
             <a:endParaRPr lang="en-US" altLang="ko-KR" sz="900" dirty="0"/>
@@ -7994,47 +8034,6 @@
           </a:graphicData>
         </a:graphic>
       </p:graphicFrame>
-      <p:pic>
-        <p:nvPicPr>
-          <p:cNvPr id="6146" name="Picture 2" descr="C:\Users\hong\Desktop\ggs\ggs\doc\1.개인폴더\최현우\99. 참고\06. 승부 예측 상세.PNG"/>
-          <p:cNvPicPr>
-            <a:picLocks noChangeAspect="1" noChangeArrowheads="1"/>
-          </p:cNvPicPr>
-          <p:nvPr/>
-        </p:nvPicPr>
-        <p:blipFill>
-          <a:blip r:embed="rId2">
-            <a:extLst>
-              <a:ext uri="{28A0092B-C50C-407E-A947-70E740481C1C}">
-                <a14:useLocalDpi xmlns:a14="http://schemas.microsoft.com/office/drawing/2010/main" val="0"/>
-              </a:ext>
-            </a:extLst>
-          </a:blip>
-          <a:srcRect/>
-          <a:stretch>
-            <a:fillRect/>
-          </a:stretch>
-        </p:blipFill>
-        <p:spPr bwMode="auto">
-          <a:xfrm>
-            <a:off x="1187624" y="954569"/>
-            <a:ext cx="4608512" cy="5613748"/>
-          </a:xfrm>
-          <a:prstGeom prst="rect">
-            <a:avLst/>
-          </a:prstGeom>
-          <a:noFill/>
-          <a:extLst>
-            <a:ext uri="{909E8E84-426E-40DD-AFC4-6F175D3DCCD1}">
-              <a14:hiddenFill xmlns:a14="http://schemas.microsoft.com/office/drawing/2010/main">
-                <a:solidFill>
-                  <a:srgbClr val="FFFFFF"/>
-                </a:solidFill>
-              </a14:hiddenFill>
-            </a:ext>
-          </a:extLst>
-        </p:spPr>
-      </p:pic>
       <p:sp>
         <p:nvSpPr>
           <p:cNvPr id="9" name="타원 8"/>
@@ -8219,7 +8218,7 @@
         </p:nvSpPr>
         <p:spPr>
           <a:xfrm>
-            <a:off x="895959" y="3501008"/>
+            <a:off x="755576" y="3501008"/>
             <a:ext cx="339812" cy="453082"/>
           </a:xfrm>
           <a:prstGeom prst="ellipse">
@@ -8263,7 +8262,7 @@
         </p:nvSpPr>
         <p:spPr>
           <a:xfrm>
-            <a:off x="895959" y="4995242"/>
+            <a:off x="919820" y="4995242"/>
             <a:ext cx="339812" cy="453082"/>
           </a:xfrm>
           <a:prstGeom prst="ellipse">
@@ -8346,7 +8345,7 @@
           <p:nvPr>
             <p:extLst>
               <p:ext uri="{D42A27DB-BD31-4B8C-83A1-F6EECF244321}">
-                <p14:modId xmlns:p14="http://schemas.microsoft.com/office/powerpoint/2010/main" val="1580276057"/>
+                <p14:modId xmlns:p14="http://schemas.microsoft.com/office/powerpoint/2010/main" val="972470555"/>
               </p:ext>
             </p:extLst>
           </p:nvPr>
@@ -8654,6 +8653,47 @@
           </a:graphicData>
         </a:graphic>
       </p:graphicFrame>
+      <p:pic>
+        <p:nvPicPr>
+          <p:cNvPr id="2050" name="Picture 2" descr="C:\Users\hong\Desktop\ggs\ggs\doc\1.개인폴더\최현우\99. 참고\경기 일정 조회 수정본.PNG"/>
+          <p:cNvPicPr>
+            <a:picLocks noChangeAspect="1" noChangeArrowheads="1"/>
+          </p:cNvPicPr>
+          <p:nvPr/>
+        </p:nvPicPr>
+        <p:blipFill>
+          <a:blip r:embed="rId2">
+            <a:extLst>
+              <a:ext uri="{28A0092B-C50C-407E-A947-70E740481C1C}">
+                <a14:useLocalDpi xmlns:a14="http://schemas.microsoft.com/office/drawing/2010/main" val="0"/>
+              </a:ext>
+            </a:extLst>
+          </a:blip>
+          <a:srcRect/>
+          <a:stretch>
+            <a:fillRect/>
+          </a:stretch>
+        </p:blipFill>
+        <p:spPr bwMode="auto">
+          <a:xfrm>
+            <a:off x="202629" y="1412776"/>
+            <a:ext cx="6546879" cy="4732036"/>
+          </a:xfrm>
+          <a:prstGeom prst="rect">
+            <a:avLst/>
+          </a:prstGeom>
+          <a:noFill/>
+          <a:extLst>
+            <a:ext uri="{909E8E84-426E-40DD-AFC4-6F175D3DCCD1}">
+              <a14:hiddenFill xmlns:a14="http://schemas.microsoft.com/office/drawing/2010/main">
+                <a:solidFill>
+                  <a:srgbClr val="FFFFFF"/>
+                </a:solidFill>
+              </a14:hiddenFill>
+            </a:ext>
+          </a:extLst>
+        </p:spPr>
+      </p:pic>
       <p:graphicFrame>
         <p:nvGraphicFramePr>
           <p:cNvPr id="26" name="표 25"/>
@@ -9146,11 +9186,7 @@
             </a:r>
             <a:r>
               <a:rPr lang="ko-KR" altLang="en-US" sz="900" dirty="0" smtClean="0"/>
-              <a:t>경기일정 리스트에서는 </a:t>
-            </a:r>
-            <a:r>
-              <a:rPr lang="ko-KR" altLang="en-US" sz="900" dirty="0" smtClean="0"/>
-              <a:t>경기날짜</a:t>
+              <a:t>경기일정 리스트에서는 경기날짜</a:t>
             </a:r>
             <a:r>
               <a:rPr lang="en-US" altLang="ko-KR" sz="900" dirty="0"/>
@@ -9222,7 +9258,6 @@
               <a:rPr lang="en-US" altLang="ko-KR" sz="900" dirty="0" smtClean="0"/>
               <a:t>4.</a:t>
             </a:r>
-            <a:endParaRPr lang="en-US" altLang="ko-KR" sz="900" dirty="0" smtClean="0"/>
           </a:p>
           <a:p>
             <a:endParaRPr lang="en-US" altLang="ko-KR" sz="900" dirty="0"/>
@@ -9451,47 +9486,6 @@
           </a:graphicData>
         </a:graphic>
       </p:graphicFrame>
-      <p:pic>
-        <p:nvPicPr>
-          <p:cNvPr id="3" name="Picture 2" descr="C:\Users\hong\Desktop\ggs\ggs\doc\1.개인폴더\최현우\99. 참고\경기일정 게시판.PNG"/>
-          <p:cNvPicPr>
-            <a:picLocks noChangeAspect="1" noChangeArrowheads="1"/>
-          </p:cNvPicPr>
-          <p:nvPr/>
-        </p:nvPicPr>
-        <p:blipFill>
-          <a:blip r:embed="rId2">
-            <a:extLst>
-              <a:ext uri="{28A0092B-C50C-407E-A947-70E740481C1C}">
-                <a14:useLocalDpi xmlns:a14="http://schemas.microsoft.com/office/drawing/2010/main" val="0"/>
-              </a:ext>
-            </a:extLst>
-          </a:blip>
-          <a:srcRect/>
-          <a:stretch>
-            <a:fillRect/>
-          </a:stretch>
-        </p:blipFill>
-        <p:spPr bwMode="auto">
-          <a:xfrm>
-            <a:off x="196796" y="950792"/>
-            <a:ext cx="6564871" cy="4613072"/>
-          </a:xfrm>
-          <a:prstGeom prst="rect">
-            <a:avLst/>
-          </a:prstGeom>
-          <a:noFill/>
-          <a:extLst>
-            <a:ext uri="{909E8E84-426E-40DD-AFC4-6F175D3DCCD1}">
-              <a14:hiddenFill xmlns:a14="http://schemas.microsoft.com/office/drawing/2010/main">
-                <a:solidFill>
-                  <a:srgbClr val="FFFFFF"/>
-                </a:solidFill>
-              </a14:hiddenFill>
-            </a:ext>
-          </a:extLst>
-        </p:spPr>
-      </p:pic>
       <p:sp>
         <p:nvSpPr>
           <p:cNvPr id="4" name="TextBox 3"/>
@@ -9619,7 +9613,7 @@
         </p:nvSpPr>
         <p:spPr>
           <a:xfrm>
-            <a:off x="1331640" y="1904926"/>
+            <a:off x="1331640" y="2336974"/>
             <a:ext cx="339812" cy="453082"/>
           </a:xfrm>
           <a:prstGeom prst="ellipse">
@@ -9707,7 +9701,7 @@
         </p:nvSpPr>
         <p:spPr>
           <a:xfrm>
-            <a:off x="6072942" y="1486960"/>
+            <a:off x="6072942" y="1919008"/>
             <a:ext cx="339812" cy="453082"/>
           </a:xfrm>
           <a:prstGeom prst="ellipse">
@@ -9898,7 +9892,7 @@
         </p:nvSpPr>
         <p:spPr>
           <a:xfrm>
-            <a:off x="3779912" y="2804246"/>
+            <a:off x="3779912" y="3236294"/>
             <a:ext cx="339812" cy="453082"/>
           </a:xfrm>
           <a:prstGeom prst="ellipse">
@@ -9972,6 +9966,47 @@
           <a:chExt cx="0" cy="0"/>
         </a:xfrm>
       </p:grpSpPr>
+      <p:pic>
+        <p:nvPicPr>
+          <p:cNvPr id="3074" name="Picture 2" descr="C:\Users\hong\Desktop\ggs\ggs\doc\1.개인폴더\최현우\99. 참고\경기 일정 상세.PNG"/>
+          <p:cNvPicPr>
+            <a:picLocks noChangeAspect="1" noChangeArrowheads="1"/>
+          </p:cNvPicPr>
+          <p:nvPr/>
+        </p:nvPicPr>
+        <p:blipFill>
+          <a:blip r:embed="rId2">
+            <a:extLst>
+              <a:ext uri="{28A0092B-C50C-407E-A947-70E740481C1C}">
+                <a14:useLocalDpi xmlns:a14="http://schemas.microsoft.com/office/drawing/2010/main" val="0"/>
+              </a:ext>
+            </a:extLst>
+          </a:blip>
+          <a:srcRect/>
+          <a:stretch>
+            <a:fillRect/>
+          </a:stretch>
+        </p:blipFill>
+        <p:spPr bwMode="auto">
+          <a:xfrm>
+            <a:off x="827584" y="928671"/>
+            <a:ext cx="5441385" cy="5662579"/>
+          </a:xfrm>
+          <a:prstGeom prst="rect">
+            <a:avLst/>
+          </a:prstGeom>
+          <a:noFill/>
+          <a:extLst>
+            <a:ext uri="{909E8E84-426E-40DD-AFC4-6F175D3DCCD1}">
+              <a14:hiddenFill xmlns:a14="http://schemas.microsoft.com/office/drawing/2010/main">
+                <a:solidFill>
+                  <a:srgbClr val="FFFFFF"/>
+                </a:solidFill>
+              </a14:hiddenFill>
+            </a:ext>
+          </a:extLst>
+        </p:spPr>
+      </p:pic>
       <p:graphicFrame>
         <p:nvGraphicFramePr>
           <p:cNvPr id="34" name="표 33"/>
@@ -11120,47 +11155,6 @@
           </a:graphicData>
         </a:graphic>
       </p:graphicFrame>
-      <p:pic>
-        <p:nvPicPr>
-          <p:cNvPr id="2050" name="Picture 2" descr="C:\Users\hong\Desktop\ggs\ggs\doc\1.개인폴더\최현우\99. 참고\02. 경기일정 게시판 - 상세보기.PNG"/>
-          <p:cNvPicPr>
-            <a:picLocks noChangeAspect="1" noChangeArrowheads="1"/>
-          </p:cNvPicPr>
-          <p:nvPr/>
-        </p:nvPicPr>
-        <p:blipFill>
-          <a:blip r:embed="rId2">
-            <a:extLst>
-              <a:ext uri="{28A0092B-C50C-407E-A947-70E740481C1C}">
-                <a14:useLocalDpi xmlns:a14="http://schemas.microsoft.com/office/drawing/2010/main" val="0"/>
-              </a:ext>
-            </a:extLst>
-          </a:blip>
-          <a:srcRect/>
-          <a:stretch>
-            <a:fillRect/>
-          </a:stretch>
-        </p:blipFill>
-        <p:spPr bwMode="auto">
-          <a:xfrm>
-            <a:off x="755576" y="948622"/>
-            <a:ext cx="5420721" cy="5648730"/>
-          </a:xfrm>
-          <a:prstGeom prst="rect">
-            <a:avLst/>
-          </a:prstGeom>
-          <a:noFill/>
-          <a:extLst>
-            <a:ext uri="{909E8E84-426E-40DD-AFC4-6F175D3DCCD1}">
-              <a14:hiddenFill xmlns:a14="http://schemas.microsoft.com/office/drawing/2010/main">
-                <a:solidFill>
-                  <a:srgbClr val="FFFFFF"/>
-                </a:solidFill>
-              </a14:hiddenFill>
-            </a:ext>
-          </a:extLst>
-        </p:spPr>
-      </p:pic>
       <p:sp>
         <p:nvSpPr>
           <p:cNvPr id="11" name="타원 10"/>
@@ -11169,7 +11163,7 @@
         </p:nvSpPr>
         <p:spPr>
           <a:xfrm>
-            <a:off x="1691680" y="1678385"/>
+            <a:off x="1763688" y="1645458"/>
             <a:ext cx="339812" cy="453082"/>
           </a:xfrm>
           <a:prstGeom prst="ellipse">
@@ -11252,7 +11246,7 @@
           <p:nvPr>
             <p:extLst>
               <p:ext uri="{D42A27DB-BD31-4B8C-83A1-F6EECF244321}">
-                <p14:modId xmlns:p14="http://schemas.microsoft.com/office/powerpoint/2010/main" val="4132214059"/>
+                <p14:modId xmlns:p14="http://schemas.microsoft.com/office/powerpoint/2010/main" val="3269966673"/>
               </p:ext>
             </p:extLst>
           </p:nvPr>
@@ -11560,6 +11554,47 @@
           </a:graphicData>
         </a:graphic>
       </p:graphicFrame>
+      <p:pic>
+        <p:nvPicPr>
+          <p:cNvPr id="4098" name="Picture 2" descr="C:\Users\hong\Desktop\ggs\ggs\doc\1.개인폴더\최현우\99. 참고\경기 결과 수정본.PNG"/>
+          <p:cNvPicPr>
+            <a:picLocks noChangeAspect="1" noChangeArrowheads="1"/>
+          </p:cNvPicPr>
+          <p:nvPr/>
+        </p:nvPicPr>
+        <p:blipFill>
+          <a:blip r:embed="rId2">
+            <a:extLst>
+              <a:ext uri="{28A0092B-C50C-407E-A947-70E740481C1C}">
+                <a14:useLocalDpi xmlns:a14="http://schemas.microsoft.com/office/drawing/2010/main" val="0"/>
+              </a:ext>
+            </a:extLst>
+          </a:blip>
+          <a:srcRect/>
+          <a:stretch>
+            <a:fillRect/>
+          </a:stretch>
+        </p:blipFill>
+        <p:spPr bwMode="auto">
+          <a:xfrm>
+            <a:off x="203524" y="1459585"/>
+            <a:ext cx="6528716" cy="4672905"/>
+          </a:xfrm>
+          <a:prstGeom prst="rect">
+            <a:avLst/>
+          </a:prstGeom>
+          <a:noFill/>
+          <a:extLst>
+            <a:ext uri="{909E8E84-426E-40DD-AFC4-6F175D3DCCD1}">
+              <a14:hiddenFill xmlns:a14="http://schemas.microsoft.com/office/drawing/2010/main">
+                <a:solidFill>
+                  <a:srgbClr val="FFFFFF"/>
+                </a:solidFill>
+              </a14:hiddenFill>
+            </a:ext>
+          </a:extLst>
+        </p:spPr>
+      </p:pic>
       <p:graphicFrame>
         <p:nvGraphicFramePr>
           <p:cNvPr id="26" name="표 25"/>
@@ -12133,7 +12168,6 @@
               <a:rPr lang="en-US" altLang="ko-KR" sz="900" dirty="0" smtClean="0"/>
               <a:t>4. </a:t>
             </a:r>
-            <a:endParaRPr lang="en-US" altLang="ko-KR" sz="900" dirty="0" smtClean="0"/>
           </a:p>
           <a:p>
             <a:endParaRPr lang="en-US" altLang="ko-KR" sz="900" dirty="0"/>
@@ -12412,47 +12446,6 @@
           </a:graphicData>
         </a:graphic>
       </p:graphicFrame>
-      <p:pic>
-        <p:nvPicPr>
-          <p:cNvPr id="3074" name="Picture 2" descr="C:\Users\hong\Desktop\ggs\ggs\doc\1.개인폴더\최현우\99. 참고\03. 경기결과 게시판.PNG"/>
-          <p:cNvPicPr>
-            <a:picLocks noChangeAspect="1" noChangeArrowheads="1"/>
-          </p:cNvPicPr>
-          <p:nvPr/>
-        </p:nvPicPr>
-        <p:blipFill>
-          <a:blip r:embed="rId2">
-            <a:extLst>
-              <a:ext uri="{28A0092B-C50C-407E-A947-70E740481C1C}">
-                <a14:useLocalDpi xmlns:a14="http://schemas.microsoft.com/office/drawing/2010/main" val="0"/>
-              </a:ext>
-            </a:extLst>
-          </a:blip>
-          <a:srcRect/>
-          <a:stretch>
-            <a:fillRect/>
-          </a:stretch>
-        </p:blipFill>
-        <p:spPr bwMode="auto">
-          <a:xfrm>
-            <a:off x="205456" y="928671"/>
-            <a:ext cx="6526784" cy="4588561"/>
-          </a:xfrm>
-          <a:prstGeom prst="rect">
-            <a:avLst/>
-          </a:prstGeom>
-          <a:noFill/>
-          <a:extLst>
-            <a:ext uri="{909E8E84-426E-40DD-AFC4-6F175D3DCCD1}">
-              <a14:hiddenFill xmlns:a14="http://schemas.microsoft.com/office/drawing/2010/main">
-                <a:solidFill>
-                  <a:srgbClr val="FFFFFF"/>
-                </a:solidFill>
-              </a14:hiddenFill>
-            </a:ext>
-          </a:extLst>
-        </p:spPr>
-      </p:pic>
       <p:sp>
         <p:nvSpPr>
           <p:cNvPr id="9" name="타원 8"/>
@@ -12461,7 +12454,7 @@
         </p:nvSpPr>
         <p:spPr>
           <a:xfrm>
-            <a:off x="1331640" y="1844824"/>
+            <a:off x="1293145" y="2365841"/>
             <a:ext cx="339812" cy="453082"/>
           </a:xfrm>
           <a:prstGeom prst="ellipse">
@@ -12505,7 +12498,7 @@
         </p:nvSpPr>
         <p:spPr>
           <a:xfrm>
-            <a:off x="6012160" y="1459585"/>
+            <a:off x="6077237" y="1980602"/>
             <a:ext cx="339812" cy="453082"/>
           </a:xfrm>
           <a:prstGeom prst="ellipse">
@@ -12579,6 +12572,47 @@
           <a:chExt cx="0" cy="0"/>
         </a:xfrm>
       </p:grpSpPr>
+      <p:pic>
+        <p:nvPicPr>
+          <p:cNvPr id="5122" name="Picture 2" descr="C:\Users\hong\Desktop\ggs\ggs\doc\1.개인폴더\최현우\99. 참고\경기 결과 상세 수정본.PNG"/>
+          <p:cNvPicPr>
+            <a:picLocks noChangeAspect="1" noChangeArrowheads="1"/>
+          </p:cNvPicPr>
+          <p:nvPr/>
+        </p:nvPicPr>
+        <p:blipFill>
+          <a:blip r:embed="rId2">
+            <a:extLst>
+              <a:ext uri="{28A0092B-C50C-407E-A947-70E740481C1C}">
+                <a14:useLocalDpi xmlns:a14="http://schemas.microsoft.com/office/drawing/2010/main" val="0"/>
+              </a:ext>
+            </a:extLst>
+          </a:blip>
+          <a:srcRect/>
+          <a:stretch>
+            <a:fillRect/>
+          </a:stretch>
+        </p:blipFill>
+        <p:spPr bwMode="auto">
+          <a:xfrm>
+            <a:off x="1799134" y="928671"/>
+            <a:ext cx="3339359" cy="5635169"/>
+          </a:xfrm>
+          <a:prstGeom prst="rect">
+            <a:avLst/>
+          </a:prstGeom>
+          <a:noFill/>
+          <a:extLst>
+            <a:ext uri="{909E8E84-426E-40DD-AFC4-6F175D3DCCD1}">
+              <a14:hiddenFill xmlns:a14="http://schemas.microsoft.com/office/drawing/2010/main">
+                <a:solidFill>
+                  <a:srgbClr val="FFFFFF"/>
+                </a:solidFill>
+              </a14:hiddenFill>
+            </a:ext>
+          </a:extLst>
+        </p:spPr>
+      </p:pic>
       <p:graphicFrame>
         <p:nvGraphicFramePr>
           <p:cNvPr id="34" name="표 33"/>
@@ -13470,15 +13504,7 @@
             </a:r>
             <a:r>
               <a:rPr lang="ko-KR" altLang="en-US" sz="900" dirty="0" smtClean="0"/>
-              <a:t>확인</a:t>
-            </a:r>
-            <a:r>
-              <a:rPr lang="en-US" altLang="ko-KR" sz="900" dirty="0" smtClean="0"/>
-              <a:t>, </a:t>
-            </a:r>
-            <a:r>
-              <a:rPr lang="ko-KR" altLang="en-US" sz="900" dirty="0" smtClean="0"/>
-              <a:t>신고 할 </a:t>
+              <a:t>확인 할 </a:t>
             </a:r>
             <a:r>
               <a:rPr lang="ko-KR" altLang="en-US" sz="900" dirty="0"/>
@@ -13775,47 +13801,6 @@
           </a:graphicData>
         </a:graphic>
       </p:graphicFrame>
-      <p:pic>
-        <p:nvPicPr>
-          <p:cNvPr id="4098" name="Picture 2" descr="C:\Users\hong\Desktop\ggs\ggs\doc\1.개인폴더\최현우\99. 참고\04. 경기결과 게시판 상세.PNG"/>
-          <p:cNvPicPr>
-            <a:picLocks noChangeAspect="1" noChangeArrowheads="1"/>
-          </p:cNvPicPr>
-          <p:nvPr/>
-        </p:nvPicPr>
-        <p:blipFill>
-          <a:blip r:embed="rId2">
-            <a:extLst>
-              <a:ext uri="{28A0092B-C50C-407E-A947-70E740481C1C}">
-                <a14:useLocalDpi xmlns:a14="http://schemas.microsoft.com/office/drawing/2010/main" val="0"/>
-              </a:ext>
-            </a:extLst>
-          </a:blip>
-          <a:srcRect/>
-          <a:stretch>
-            <a:fillRect/>
-          </a:stretch>
-        </p:blipFill>
-        <p:spPr bwMode="auto">
-          <a:xfrm>
-            <a:off x="1645405" y="950538"/>
-            <a:ext cx="3762079" cy="5596673"/>
-          </a:xfrm>
-          <a:prstGeom prst="rect">
-            <a:avLst/>
-          </a:prstGeom>
-          <a:noFill/>
-          <a:extLst>
-            <a:ext uri="{909E8E84-426E-40DD-AFC4-6F175D3DCCD1}">
-              <a14:hiddenFill xmlns:a14="http://schemas.microsoft.com/office/drawing/2010/main">
-                <a:solidFill>
-                  <a:srgbClr val="FFFFFF"/>
-                </a:solidFill>
-              </a14:hiddenFill>
-            </a:ext>
-          </a:extLst>
-        </p:spPr>
-      </p:pic>
       <p:sp>
         <p:nvSpPr>
           <p:cNvPr id="9" name="타원 8"/>
@@ -13824,7 +13809,7 @@
         </p:nvSpPr>
         <p:spPr>
           <a:xfrm>
-            <a:off x="1305593" y="1412776"/>
+            <a:off x="2431988" y="1234877"/>
             <a:ext cx="339812" cy="453082"/>
           </a:xfrm>
           <a:prstGeom prst="ellipse">
@@ -13868,7 +13853,7 @@
         </p:nvSpPr>
         <p:spPr>
           <a:xfrm>
-            <a:off x="1305593" y="5229200"/>
+            <a:off x="2123728" y="5277842"/>
             <a:ext cx="339812" cy="453082"/>
           </a:xfrm>
           <a:prstGeom prst="ellipse">
